--- a/major project final ppt.pptx
+++ b/major project final ppt.pptx
@@ -35,12 +35,13 @@
     <p:sldId id="413" r:id="rId29"/>
     <p:sldId id="414" r:id="rId30"/>
     <p:sldId id="307" r:id="rId31"/>
-    <p:sldId id="310" r:id="rId32"/>
+    <p:sldId id="415" r:id="rId32"/>
+    <p:sldId id="310" r:id="rId33"/>
   </p:sldIdLst>
   <p:sldSz cx="12192000" cy="6858000"/>
   <p:notesSz cx="6858000" cy="9144000"/>
   <p:custDataLst>
-    <p:tags r:id="rId33"/>
+    <p:tags r:id="rId34"/>
   </p:custDataLst>
   <p:defaultTextStyle>
     <a:defPPr>
@@ -317,7 +318,7 @@
           <a:p>
             <a:fld id="{05211C2E-C343-4CF7-AE0C-FBD107596EA2}" type="datetimeFigureOut">
               <a:rPr lang="en-US" smtClean="0"/>
-              <a:t>3/20/2024</a:t>
+              <a:t>3/22/2024</a:t>
             </a:fld>
             <a:endParaRPr lang="en-US"/>
           </a:p>
@@ -480,7 +481,7 @@
           <a:p>
             <a:fld id="{0B7B1D84-6B22-40AE-B8CD-5106A14F5F83}" type="datetimeFigureOut">
               <a:rPr lang="en-US" smtClean="0"/>
-              <a:t>3/20/2024</a:t>
+              <a:t>3/22/2024</a:t>
             </a:fld>
             <a:endParaRPr lang="en-US"/>
           </a:p>
@@ -643,7 +644,7 @@
           <a:p>
             <a:fld id="{E210B285-20CA-42AC-A90E-72F2559771E9}" type="datetimeFigureOut">
               <a:rPr lang="en-US" smtClean="0"/>
-              <a:t>3/20/2024</a:t>
+              <a:t>3/22/2024</a:t>
             </a:fld>
             <a:endParaRPr lang="en-US"/>
           </a:p>
@@ -903,7 +904,7 @@
           <a:p>
             <a:fld id="{1D8BD707-D9CF-40AE-B4C6-C98DA3205C09}" type="datetimeFigureOut">
               <a:rPr lang="en-US"/>
-              <a:t>3/20/2024</a:t>
+              <a:t>3/22/2024</a:t>
             </a:fld>
             <a:endParaRPr lang="en-US"/>
           </a:p>
@@ -1081,7 +1082,7 @@
           <a:p>
             <a:fld id="{1D8BD707-D9CF-40AE-B4C6-C98DA3205C09}" type="datetimeFigureOut">
               <a:rPr lang="en-US"/>
-              <a:t>3/20/2024</a:t>
+              <a:t>3/22/2024</a:t>
             </a:fld>
             <a:endParaRPr lang="en-US"/>
           </a:p>
@@ -1296,7 +1297,7 @@
           <a:p>
             <a:fld id="{1D8BD707-D9CF-40AE-B4C6-C98DA3205C09}" type="datetimeFigureOut">
               <a:rPr lang="en-US"/>
-              <a:t>3/20/2024</a:t>
+              <a:t>3/22/2024</a:t>
             </a:fld>
             <a:endParaRPr lang="en-US"/>
           </a:p>
@@ -1475,7 +1476,7 @@
           <a:p>
             <a:fld id="{1D8BD707-D9CF-40AE-B4C6-C98DA3205C09}" type="datetimeFigureOut">
               <a:rPr lang="en-US"/>
-              <a:t>3/20/2024</a:t>
+              <a:t>3/22/2024</a:t>
             </a:fld>
             <a:endParaRPr lang="en-US"/>
           </a:p>
@@ -1625,7 +1626,7 @@
           <a:p>
             <a:fld id="{1D8BD707-D9CF-40AE-B4C6-C98DA3205C09}" type="datetimeFigureOut">
               <a:rPr lang="en-US"/>
-              <a:t>3/20/2024</a:t>
+              <a:t>3/22/2024</a:t>
             </a:fld>
             <a:endParaRPr lang="en-US"/>
           </a:p>
@@ -2098,7 +2099,7 @@
           <a:p>
             <a:fld id="{4BDF68E2-58F2-4D09-BE8B-E3BD06533059}" type="datetimeFigureOut">
               <a:rPr lang="en-US"/>
-              <a:t>3/20/2024</a:t>
+              <a:t>3/22/2024</a:t>
             </a:fld>
             <a:endParaRPr lang="en-US"/>
           </a:p>
@@ -2309,7 +2310,7 @@
           <a:p>
             <a:fld id="{528FC5F6-F338-4AE4-BB23-26385BCFC423}" type="datetimeFigureOut">
               <a:rPr lang="en-US"/>
-              <a:t>3/20/2024</a:t>
+              <a:t>3/22/2024</a:t>
             </a:fld>
             <a:endParaRPr lang="en-US"/>
           </a:p>
@@ -2846,7 +2847,7 @@
           <a:p>
             <a:fld id="{20EBB0C4-6273-4C6E-B9BD-2EDC30F1CD52}" type="datetimeFigureOut">
               <a:rPr lang="en-US"/>
-              <a:t>3/20/2024</a:t>
+              <a:t>3/22/2024</a:t>
             </a:fld>
             <a:endParaRPr lang="en-US"/>
           </a:p>
@@ -3052,7 +3053,7 @@
           <a:p>
             <a:fld id="{CDC305C9-DAAE-460C-BF24-EF0EFC54DB3F}" type="datetimeFigureOut">
               <a:rPr lang="en-US" smtClean="0"/>
-              <a:t>3/20/2024</a:t>
+              <a:t>3/22/2024</a:t>
             </a:fld>
             <a:endParaRPr lang="en-US"/>
           </a:p>
@@ -3282,7 +3283,7 @@
           <a:p>
             <a:fld id="{19AB4D41-86C1-4908-B66A-0B50CEB3BF29}" type="datetimeFigureOut">
               <a:rPr lang="en-US"/>
-              <a:t>3/20/2024</a:t>
+              <a:t>3/22/2024</a:t>
             </a:fld>
             <a:endParaRPr lang="en-US"/>
           </a:p>
@@ -3659,7 +3660,7 @@
           <a:p>
             <a:fld id="{E6426E2C-56C1-4E0D-A793-0088A7FDD37E}" type="datetimeFigureOut">
               <a:rPr lang="en-US"/>
-              <a:t>3/20/2024</a:t>
+              <a:t>3/22/2024</a:t>
             </a:fld>
             <a:endParaRPr lang="en-US"/>
           </a:p>
@@ -3777,7 +3778,7 @@
           <a:p>
             <a:fld id="{C8C39B41-D8B5-4052-B551-9B5525EAA8B6}" type="datetimeFigureOut">
               <a:rPr lang="en-US"/>
-              <a:t>3/20/2024</a:t>
+              <a:t>3/22/2024</a:t>
             </a:fld>
             <a:endParaRPr lang="en-US"/>
           </a:p>
@@ -4151,7 +4152,7 @@
           <a:p>
             <a:fld id="{4D94136C-8742-45B2-AF27-D93DF72833A9}" type="datetimeFigureOut">
               <a:rPr lang="en-US"/>
-              <a:t>3/20/2024</a:t>
+              <a:t>3/22/2024</a:t>
             </a:fld>
             <a:endParaRPr lang="en-US"/>
           </a:p>
@@ -4706,7 +4707,7 @@
           <a:p>
             <a:fld id="{32ABBEA6-7C60-4B02-AE87-00D78D8422AF}" type="datetimeFigureOut">
               <a:rPr lang="en-US"/>
-              <a:t>3/20/2024</a:t>
+              <a:t>3/22/2024</a:t>
             </a:fld>
             <a:endParaRPr lang="en-US"/>
           </a:p>
@@ -5286,7 +5287,7 @@
           <a:p>
             <a:fld id="{C9CAD897-D46E-4AD2-BD9B-49DD3E640873}" type="datetimeFigureOut">
               <a:rPr lang="en-US"/>
-              <a:t>3/20/2024</a:t>
+              <a:t>3/22/2024</a:t>
             </a:fld>
             <a:endParaRPr lang="en-US"/>
           </a:p>
@@ -5455,7 +5456,7 @@
           <a:p>
             <a:fld id="{2E2D6473-DF6D-4702-B328-E0DD40540A4E}" type="datetimeFigureOut">
               <a:rPr lang="en-US"/>
-              <a:t>3/20/2024</a:t>
+              <a:t>3/22/2024</a:t>
             </a:fld>
             <a:endParaRPr lang="en-US"/>
           </a:p>
@@ -5912,7 +5913,7 @@
           <a:p>
             <a:fld id="{E26F7E3A-B166-407D-9866-32884E7D5B37}" type="datetimeFigureOut">
               <a:rPr lang="en-US"/>
-              <a:t>3/20/2024</a:t>
+              <a:t>3/22/2024</a:t>
             </a:fld>
             <a:endParaRPr lang="en-US"/>
           </a:p>
@@ -6147,7 +6148,7 @@
           <a:p>
             <a:fld id="{002612EC-23A4-4394-A11A-16B84997FF17}" type="datetimeFigureOut">
               <a:rPr lang="en-US" smtClean="0"/>
-              <a:t>3/20/2024</a:t>
+              <a:t>3/22/2024</a:t>
             </a:fld>
             <a:endParaRPr lang="en-US"/>
           </a:p>
@@ -6416,7 +6417,7 @@
           <a:p>
             <a:fld id="{AC6B1239-1D4B-49A3-88FE-CAB288FF7867}" type="datetimeFigureOut">
               <a:rPr lang="en-US" smtClean="0"/>
-              <a:t>3/20/2024</a:t>
+              <a:t>3/22/2024</a:t>
             </a:fld>
             <a:endParaRPr lang="en-US"/>
           </a:p>
@@ -6803,7 +6804,7 @@
           <a:p>
             <a:fld id="{6AFEDF56-6835-4DA3-BBC0-AC8E479F93AF}" type="datetimeFigureOut">
               <a:rPr lang="en-US" smtClean="0"/>
-              <a:t>3/20/2024</a:t>
+              <a:t>3/22/2024</a:t>
             </a:fld>
             <a:endParaRPr lang="en-US"/>
           </a:p>
@@ -6916,7 +6917,7 @@
           <a:p>
             <a:fld id="{8EDF8FF2-EBA8-480B-92F7-9FD8FBC2CBE1}" type="datetimeFigureOut">
               <a:rPr lang="en-US" smtClean="0"/>
-              <a:t>3/20/2024</a:t>
+              <a:t>3/22/2024</a:t>
             </a:fld>
             <a:endParaRPr lang="en-US"/>
           </a:p>
@@ -7007,7 +7008,7 @@
           <a:p>
             <a:fld id="{03BFA8EC-484A-43FC-B5CC-6BD4E0FDA5C5}" type="datetimeFigureOut">
               <a:rPr lang="en-US" smtClean="0"/>
-              <a:t>3/20/2024</a:t>
+              <a:t>3/22/2024</a:t>
             </a:fld>
             <a:endParaRPr lang="en-US"/>
           </a:p>
@@ -7261,7 +7262,7 @@
           <a:p>
             <a:fld id="{57B3E9C6-D76B-4669-802C-DAB132238657}" type="datetimeFigureOut">
               <a:rPr lang="en-US" smtClean="0"/>
-              <a:t>3/20/2024</a:t>
+              <a:t>3/22/2024</a:t>
             </a:fld>
             <a:endParaRPr lang="en-US"/>
           </a:p>
@@ -7493,7 +7494,7 @@
           <a:p>
             <a:fld id="{BB0A217B-D5CA-4E42-A70A-66ACA7144065}" type="datetimeFigureOut">
               <a:rPr lang="en-US" smtClean="0"/>
-              <a:t>3/20/2024</a:t>
+              <a:t>3/22/2024</a:t>
             </a:fld>
             <a:endParaRPr lang="en-US"/>
           </a:p>
@@ -7699,7 +7700,7 @@
           <a:p>
             <a:fld id="{E8FD0B7A-F5DD-4F40-B4CB-3B2C354B893A}" type="datetimeFigureOut">
               <a:rPr lang="en-US" smtClean="0"/>
-              <a:t>3/20/2024</a:t>
+              <a:t>3/22/2024</a:t>
             </a:fld>
             <a:endParaRPr lang="en-US"/>
           </a:p>
@@ -8238,7 +8239,7 @@
           <a:p>
             <a:fld id="{1D8BD707-D9CF-40AE-B4C6-C98DA3205C09}" type="datetimeFigureOut">
               <a:rPr lang="en-US"/>
-              <a:t>3/20/2024</a:t>
+              <a:t>3/22/2024</a:t>
             </a:fld>
             <a:endParaRPr lang="en-US"/>
           </a:p>
@@ -8959,7 +8960,7 @@
           <a:p>
             <a:fld id="{98624D31-43A5-475A-80CF-332C9F6DCF35}" type="datetimeFigureOut">
               <a:rPr lang="en-US"/>
-              <a:t>3/20/2024</a:t>
+              <a:t>3/22/2024</a:t>
             </a:fld>
             <a:endParaRPr lang="en-US"/>
           </a:p>
@@ -14524,7 +14525,7 @@
               </a:spcBef>
             </a:pPr>
             <a:r>
-              <a:rPr sz="2800" spc="-10"/>
+              <a:rPr sz="2800" spc="-10" dirty="0"/>
               <a:t>CONCLUSION</a:t>
             </a:r>
           </a:p>
@@ -15531,7 +15532,7 @@
 </file>
 
 <file path=ppt/slides/slide29.xml><?xml version="1.0" encoding="utf-8"?>
-<p:sld xmlns:a="http://schemas.openxmlformats.org/drawingml/2006/main" xmlns:r="http://schemas.openxmlformats.org/officeDocument/2006/relationships" xmlns:p="http://schemas.openxmlformats.org/presentationml/2006/main" showMasterSp="0">
+<p:sld xmlns:a="http://schemas.openxmlformats.org/drawingml/2006/main" xmlns:r="http://schemas.openxmlformats.org/officeDocument/2006/relationships" xmlns:p="http://schemas.openxmlformats.org/presentationml/2006/main">
   <p:cSld>
     <p:spTree>
       <p:nvGrpSpPr>
@@ -15547,112 +15548,105 @@
           <a:chExt cx="0" cy="0"/>
         </a:xfrm>
       </p:grpSpPr>
-      <p:pic>
-        <p:nvPicPr>
-          <p:cNvPr id="2" name="object 2"/>
-          <p:cNvPicPr/>
-          <p:nvPr/>
-        </p:nvPicPr>
-        <p:blipFill>
-          <a:blip r:embed="rId2"/>
-          <a:stretch>
-            <a:fillRect/>
-          </a:stretch>
-        </p:blipFill>
-        <p:spPr>
-          <a:xfrm>
-            <a:off x="1523" y="0"/>
-            <a:ext cx="12188952" cy="6857998"/>
-          </a:xfrm>
-          <a:prstGeom prst="rect">
-            <a:avLst/>
-          </a:prstGeom>
-        </p:spPr>
-      </p:pic>
       <p:sp>
         <p:nvSpPr>
-          <p:cNvPr id="3" name="object 3"/>
+          <p:cNvPr id="2" name="object 3">
+            <a:extLst>
+              <a:ext uri="{FF2B5EF4-FFF2-40B4-BE49-F238E27FC236}">
+                <a16:creationId xmlns:a16="http://schemas.microsoft.com/office/drawing/2014/main" id="{A99A0AC2-8BFB-02B1-12B7-C1E94CBA92F2}"/>
+              </a:ext>
+            </a:extLst>
+          </p:cNvPr>
           <p:cNvSpPr txBox="1">
-            <a:spLocks noGrp="1"/>
+            <a:spLocks/>
           </p:cNvSpPr>
-          <p:nvPr>
-            <p:ph type="title"/>
-          </p:nvPr>
+          <p:nvPr/>
         </p:nvSpPr>
         <p:spPr>
           <a:xfrm>
-            <a:off x="2553080" y="2557094"/>
-            <a:ext cx="7086600" cy="1549400"/>
+            <a:off x="603606" y="609600"/>
+            <a:ext cx="10984788" cy="569771"/>
           </a:xfrm>
           <a:prstGeom prst="rect">
             <a:avLst/>
           </a:prstGeom>
         </p:spPr>
         <p:txBody>
-          <a:bodyPr vert="horz" wrap="square" lIns="0" tIns="12065" rIns="0" bIns="0" rtlCol="0">
+          <a:bodyPr vert="horz" wrap="square" lIns="0" tIns="137541" rIns="0" bIns="0" rtlCol="0">
             <a:spAutoFit/>
           </a:bodyPr>
-          <a:lstStyle/>
+          <a:lstStyle>
+            <a:lvl1pPr>
+              <a:defRPr>
+                <a:latin typeface="+mj-lt"/>
+                <a:ea typeface="+mj-ea"/>
+                <a:cs typeface="+mj-cs"/>
+              </a:defRPr>
+            </a:lvl1pPr>
+          </a:lstStyle>
           <a:p>
             <a:pPr marL="12700">
-              <a:lnSpc>
-                <a:spcPct val="100000"/>
-              </a:lnSpc>
               <a:spcBef>
                 <a:spcPts val="95"/>
               </a:spcBef>
             </a:pPr>
             <a:r>
-              <a:rPr sz="10000" b="0" i="1" spc="-175">
-                <a:latin typeface="Times New Roman"/>
-                <a:cs typeface="Times New Roman"/>
-              </a:rPr>
-              <a:t>THANK</a:t>
-            </a:r>
-            <a:r>
-              <a:rPr sz="10000" b="0" i="1" spc="-420">
-                <a:latin typeface="Times New Roman"/>
-                <a:cs typeface="Times New Roman"/>
-              </a:rPr>
-              <a:t> </a:t>
-            </a:r>
-            <a:r>
-              <a:rPr sz="10000" b="0" i="1" spc="-430">
-                <a:latin typeface="Times New Roman"/>
-                <a:cs typeface="Times New Roman"/>
-              </a:rPr>
-              <a:t>YOU!</a:t>
-            </a:r>
-            <a:endParaRPr sz="10000">
-              <a:latin typeface="Times New Roman"/>
-              <a:cs typeface="Times New Roman"/>
-            </a:endParaRPr>
+              <a:rPr lang="en-IN" sz="2800" b="1" kern="0" spc="-10" dirty="0">
+                <a:solidFill>
+                  <a:sysClr val="windowText" lastClr="000000"/>
+                </a:solidFill>
+                <a:latin typeface="Times New Roman" panose="02020603050405020304" pitchFamily="18" charset="0"/>
+                <a:cs typeface="Times New Roman" panose="02020603050405020304" pitchFamily="18" charset="0"/>
+              </a:rPr>
+              <a:t>GITHUB LINK</a:t>
+            </a:r>
           </a:p>
         </p:txBody>
       </p:sp>
-      <p:pic>
-        <p:nvPicPr>
-          <p:cNvPr id="4" name="object 4"/>
-          <p:cNvPicPr/>
+      <p:sp>
+        <p:nvSpPr>
+          <p:cNvPr id="4" name="TextBox 3">
+            <a:extLst>
+              <a:ext uri="{FF2B5EF4-FFF2-40B4-BE49-F238E27FC236}">
+                <a16:creationId xmlns:a16="http://schemas.microsoft.com/office/drawing/2014/main" id="{D621C688-840E-7884-773E-C9360D85D169}"/>
+              </a:ext>
+            </a:extLst>
+          </p:cNvPr>
+          <p:cNvSpPr txBox="1"/>
           <p:nvPr/>
-        </p:nvPicPr>
-        <p:blipFill>
-          <a:blip r:embed="rId3"/>
-          <a:stretch>
-            <a:fillRect/>
-          </a:stretch>
-        </p:blipFill>
+        </p:nvSpPr>
         <p:spPr>
           <a:xfrm>
-            <a:off x="5445252" y="4218432"/>
-            <a:ext cx="914400" cy="914400"/>
+            <a:off x="2135560" y="2996952"/>
+            <a:ext cx="6096000" cy="523220"/>
           </a:xfrm>
           <a:prstGeom prst="rect">
             <a:avLst/>
           </a:prstGeom>
+          <a:noFill/>
         </p:spPr>
-      </p:pic>
+        <p:txBody>
+          <a:bodyPr wrap="square">
+            <a:spAutoFit/>
+          </a:bodyPr>
+          <a:lstStyle/>
+          <a:p>
+            <a:r>
+              <a:rPr lang="en-IN" sz="2800" dirty="0">
+                <a:latin typeface="Times New Roman" panose="02020603050405020304" pitchFamily="18" charset="0"/>
+                <a:cs typeface="Times New Roman" panose="02020603050405020304" pitchFamily="18" charset="0"/>
+              </a:rPr>
+              <a:t>https://github.com/burrevedika/EPilot</a:t>
+            </a:r>
+          </a:p>
+        </p:txBody>
+      </p:sp>
     </p:spTree>
+    <p:extLst>
+      <p:ext uri="{BB962C8B-B14F-4D97-AF65-F5344CB8AC3E}">
+        <p14:creationId xmlns:p14="http://schemas.microsoft.com/office/powerpoint/2010/main" val="2524346633"/>
+      </p:ext>
+    </p:extLst>
   </p:cSld>
   <p:clrMapOvr>
     <a:masterClrMapping/>
@@ -17577,6 +17571,137 @@
           </a:p>
         </p:txBody>
       </p:sp>
+    </p:spTree>
+  </p:cSld>
+  <p:clrMapOvr>
+    <a:masterClrMapping/>
+  </p:clrMapOvr>
+  <p:transition/>
+</p:sld>
+</file>
+
+<file path=ppt/slides/slide30.xml><?xml version="1.0" encoding="utf-8"?>
+<p:sld xmlns:a="http://schemas.openxmlformats.org/drawingml/2006/main" xmlns:r="http://schemas.openxmlformats.org/officeDocument/2006/relationships" xmlns:p="http://schemas.openxmlformats.org/presentationml/2006/main" showMasterSp="0">
+  <p:cSld>
+    <p:spTree>
+      <p:nvGrpSpPr>
+        <p:cNvPr id="1" name=""/>
+        <p:cNvGrpSpPr/>
+        <p:nvPr/>
+      </p:nvGrpSpPr>
+      <p:grpSpPr>
+        <a:xfrm>
+          <a:off x="0" y="0"/>
+          <a:ext cx="0" cy="0"/>
+          <a:chOff x="0" y="0"/>
+          <a:chExt cx="0" cy="0"/>
+        </a:xfrm>
+      </p:grpSpPr>
+      <p:pic>
+        <p:nvPicPr>
+          <p:cNvPr id="2" name="object 2"/>
+          <p:cNvPicPr/>
+          <p:nvPr/>
+        </p:nvPicPr>
+        <p:blipFill>
+          <a:blip r:embed="rId2"/>
+          <a:stretch>
+            <a:fillRect/>
+          </a:stretch>
+        </p:blipFill>
+        <p:spPr>
+          <a:xfrm>
+            <a:off x="1523" y="0"/>
+            <a:ext cx="12188952" cy="6857998"/>
+          </a:xfrm>
+          <a:prstGeom prst="rect">
+            <a:avLst/>
+          </a:prstGeom>
+        </p:spPr>
+      </p:pic>
+      <p:sp>
+        <p:nvSpPr>
+          <p:cNvPr id="3" name="object 3"/>
+          <p:cNvSpPr txBox="1">
+            <a:spLocks noGrp="1"/>
+          </p:cNvSpPr>
+          <p:nvPr>
+            <p:ph type="title"/>
+          </p:nvPr>
+        </p:nvSpPr>
+        <p:spPr>
+          <a:xfrm>
+            <a:off x="2553080" y="2557094"/>
+            <a:ext cx="7086600" cy="1549400"/>
+          </a:xfrm>
+          <a:prstGeom prst="rect">
+            <a:avLst/>
+          </a:prstGeom>
+        </p:spPr>
+        <p:txBody>
+          <a:bodyPr vert="horz" wrap="square" lIns="0" tIns="12065" rIns="0" bIns="0" rtlCol="0">
+            <a:spAutoFit/>
+          </a:bodyPr>
+          <a:lstStyle/>
+          <a:p>
+            <a:pPr marL="12700">
+              <a:lnSpc>
+                <a:spcPct val="100000"/>
+              </a:lnSpc>
+              <a:spcBef>
+                <a:spcPts val="95"/>
+              </a:spcBef>
+            </a:pPr>
+            <a:r>
+              <a:rPr sz="10000" b="0" i="1" spc="-175">
+                <a:latin typeface="Times New Roman"/>
+                <a:cs typeface="Times New Roman"/>
+              </a:rPr>
+              <a:t>THANK</a:t>
+            </a:r>
+            <a:r>
+              <a:rPr sz="10000" b="0" i="1" spc="-420">
+                <a:latin typeface="Times New Roman"/>
+                <a:cs typeface="Times New Roman"/>
+              </a:rPr>
+              <a:t> </a:t>
+            </a:r>
+            <a:r>
+              <a:rPr sz="10000" b="0" i="1" spc="-430">
+                <a:latin typeface="Times New Roman"/>
+                <a:cs typeface="Times New Roman"/>
+              </a:rPr>
+              <a:t>YOU!</a:t>
+            </a:r>
+            <a:endParaRPr sz="10000">
+              <a:latin typeface="Times New Roman"/>
+              <a:cs typeface="Times New Roman"/>
+            </a:endParaRPr>
+          </a:p>
+        </p:txBody>
+      </p:sp>
+      <p:pic>
+        <p:nvPicPr>
+          <p:cNvPr id="4" name="object 4"/>
+          <p:cNvPicPr/>
+          <p:nvPr/>
+        </p:nvPicPr>
+        <p:blipFill>
+          <a:blip r:embed="rId3"/>
+          <a:stretch>
+            <a:fillRect/>
+          </a:stretch>
+        </p:blipFill>
+        <p:spPr>
+          <a:xfrm>
+            <a:off x="5445252" y="4218432"/>
+            <a:ext cx="914400" cy="914400"/>
+          </a:xfrm>
+          <a:prstGeom prst="rect">
+            <a:avLst/>
+          </a:prstGeom>
+        </p:spPr>
+      </p:pic>
     </p:spTree>
   </p:cSld>
   <p:clrMapOvr>
